--- a/Tuning MapReduce.pptx
+++ b/Tuning MapReduce.pptx
@@ -299,7 +299,7 @@
           <a:p>
             <a:fld id="{55F313EA-3B95-3C40-A9E5-D7E67848D1B8}" type="datetimeFigureOut">
               <a:rPr lang="en-US" smtClean="0"/>
-              <a:t>6/21/17</a:t>
+              <a:t>6/23/17</a:t>
             </a:fld>
             <a:endParaRPr lang="en-US"/>
           </a:p>
@@ -469,7 +469,7 @@
           <a:p>
             <a:fld id="{55F313EA-3B95-3C40-A9E5-D7E67848D1B8}" type="datetimeFigureOut">
               <a:rPr lang="en-US" smtClean="0"/>
-              <a:t>6/21/17</a:t>
+              <a:t>6/23/17</a:t>
             </a:fld>
             <a:endParaRPr lang="en-US"/>
           </a:p>
@@ -649,7 +649,7 @@
           <a:p>
             <a:fld id="{55F313EA-3B95-3C40-A9E5-D7E67848D1B8}" type="datetimeFigureOut">
               <a:rPr lang="en-US" smtClean="0"/>
-              <a:t>6/21/17</a:t>
+              <a:t>6/23/17</a:t>
             </a:fld>
             <a:endParaRPr lang="en-US"/>
           </a:p>
@@ -819,7 +819,7 @@
           <a:p>
             <a:fld id="{55F313EA-3B95-3C40-A9E5-D7E67848D1B8}" type="datetimeFigureOut">
               <a:rPr lang="en-US" smtClean="0"/>
-              <a:t>6/21/17</a:t>
+              <a:t>6/23/17</a:t>
             </a:fld>
             <a:endParaRPr lang="en-US"/>
           </a:p>
@@ -1065,7 +1065,7 @@
           <a:p>
             <a:fld id="{55F313EA-3B95-3C40-A9E5-D7E67848D1B8}" type="datetimeFigureOut">
               <a:rPr lang="en-US" smtClean="0"/>
-              <a:t>6/21/17</a:t>
+              <a:t>6/23/17</a:t>
             </a:fld>
             <a:endParaRPr lang="en-US"/>
           </a:p>
@@ -1353,7 +1353,7 @@
           <a:p>
             <a:fld id="{55F313EA-3B95-3C40-A9E5-D7E67848D1B8}" type="datetimeFigureOut">
               <a:rPr lang="en-US" smtClean="0"/>
-              <a:t>6/21/17</a:t>
+              <a:t>6/23/17</a:t>
             </a:fld>
             <a:endParaRPr lang="en-US"/>
           </a:p>
@@ -1775,7 +1775,7 @@
           <a:p>
             <a:fld id="{55F313EA-3B95-3C40-A9E5-D7E67848D1B8}" type="datetimeFigureOut">
               <a:rPr lang="en-US" smtClean="0"/>
-              <a:t>6/21/17</a:t>
+              <a:t>6/23/17</a:t>
             </a:fld>
             <a:endParaRPr lang="en-US"/>
           </a:p>
@@ -1893,7 +1893,7 @@
           <a:p>
             <a:fld id="{55F313EA-3B95-3C40-A9E5-D7E67848D1B8}" type="datetimeFigureOut">
               <a:rPr lang="en-US" smtClean="0"/>
-              <a:t>6/21/17</a:t>
+              <a:t>6/23/17</a:t>
             </a:fld>
             <a:endParaRPr lang="en-US"/>
           </a:p>
@@ -1988,7 +1988,7 @@
           <a:p>
             <a:fld id="{55F313EA-3B95-3C40-A9E5-D7E67848D1B8}" type="datetimeFigureOut">
               <a:rPr lang="en-US" smtClean="0"/>
-              <a:t>6/21/17</a:t>
+              <a:t>6/23/17</a:t>
             </a:fld>
             <a:endParaRPr lang="en-US"/>
           </a:p>
@@ -2265,7 +2265,7 @@
           <a:p>
             <a:fld id="{55F313EA-3B95-3C40-A9E5-D7E67848D1B8}" type="datetimeFigureOut">
               <a:rPr lang="en-US" smtClean="0"/>
-              <a:t>6/21/17</a:t>
+              <a:t>6/23/17</a:t>
             </a:fld>
             <a:endParaRPr lang="en-US"/>
           </a:p>
@@ -2518,7 +2518,7 @@
           <a:p>
             <a:fld id="{55F313EA-3B95-3C40-A9E5-D7E67848D1B8}" type="datetimeFigureOut">
               <a:rPr lang="en-US" smtClean="0"/>
-              <a:t>6/21/17</a:t>
+              <a:t>6/23/17</a:t>
             </a:fld>
             <a:endParaRPr lang="en-US"/>
           </a:p>
@@ -2731,7 +2731,7 @@
           <a:p>
             <a:fld id="{55F313EA-3B95-3C40-A9E5-D7E67848D1B8}" type="datetimeFigureOut">
               <a:rPr lang="en-US" smtClean="0"/>
-              <a:t>6/21/17</a:t>
+              <a:t>6/23/17</a:t>
             </a:fld>
             <a:endParaRPr lang="en-US"/>
           </a:p>
@@ -3224,8 +3224,13 @@
           <a:p>
             <a:r>
               <a:rPr lang="en-US" dirty="0" smtClean="0"/>
-              <a:t>Add more node</a:t>
-            </a:r>
+              <a:t>Add more </a:t>
+            </a:r>
+            <a:r>
+              <a:rPr lang="en-US" dirty="0" smtClean="0"/>
+              <a:t>nodes</a:t>
+            </a:r>
+            <a:endParaRPr lang="en-US" dirty="0" smtClean="0"/>
           </a:p>
           <a:p>
             <a:pPr lvl="1"/>
@@ -3406,30 +3411,17 @@
             <a:pPr lvl="1"/>
             <a:r>
               <a:rPr lang="en-US" dirty="0" smtClean="0"/>
-              <a:t>Monitor/tune for optimal spill </a:t>
-            </a:r>
-            <a:r>
-              <a:rPr lang="en-US" dirty="0" smtClean="0"/>
-              <a:t>ratio</a:t>
-            </a:r>
+              <a:t>Monitor/tune for optimal spill ratio</a:t>
+            </a:r>
+          </a:p>
+          <a:p>
+            <a:pPr lvl="1"/>
             <a:endParaRPr lang="en-US" dirty="0" smtClean="0"/>
           </a:p>
           <a:p>
-            <a:pPr lvl="1"/>
-            <a:endParaRPr lang="en-US" dirty="0" smtClean="0"/>
-          </a:p>
-          <a:p>
-            <a:r>
-              <a:rPr lang="en-US" dirty="0" smtClean="0"/>
-              <a:t>Creating a distributed cache is important for optimization; it is used to cache files like text files, archives, and JAR files that are needed to run </a:t>
-            </a:r>
-            <a:r>
-              <a:rPr lang="en-US" dirty="0" smtClean="0"/>
-              <a:t>applications </a:t>
-            </a:r>
-            <a:r>
-              <a:rPr lang="en-US" dirty="0" smtClean="0"/>
-              <a:t>or jobs</a:t>
+            <a:r>
+              <a:rPr lang="en-US" dirty="0" smtClean="0"/>
+              <a:t>Creating a distributed cache is important for optimization; it is used to cache files like text files, archives, and JAR files that are needed to run applications or jobs</a:t>
             </a:r>
           </a:p>
           <a:p>
@@ -3726,7 +3718,15 @@
             <a:pPr lvl="1"/>
             <a:r>
               <a:rPr lang="en-US" dirty="0" smtClean="0"/>
-              <a:t>Change compression ratio, different size chunks</a:t>
+              <a:t>Change compression </a:t>
+            </a:r>
+            <a:r>
+              <a:rPr lang="en-US" dirty="0" smtClean="0"/>
+              <a:t>ratio (sequence input), </a:t>
+            </a:r>
+            <a:r>
+              <a:rPr lang="en-US" dirty="0" smtClean="0"/>
+              <a:t>different size chunks</a:t>
             </a:r>
           </a:p>
           <a:p>
@@ -3739,8 +3739,13 @@
             <a:pPr lvl="1"/>
             <a:r>
               <a:rPr lang="en-US" dirty="0" smtClean="0"/>
-              <a:t>Code, hashing</a:t>
-            </a:r>
+              <a:t>Code, </a:t>
+            </a:r>
+            <a:r>
+              <a:rPr lang="en-US" dirty="0" smtClean="0"/>
+              <a:t>hashing, use Combiner</a:t>
+            </a:r>
+            <a:endParaRPr lang="en-US" dirty="0" smtClean="0"/>
           </a:p>
           <a:p>
             <a:r>
@@ -3752,8 +3757,13 @@
             <a:pPr lvl="1"/>
             <a:r>
               <a:rPr lang="en-US" dirty="0" smtClean="0"/>
-              <a:t>Get better distribution on shuffle-sort</a:t>
-            </a:r>
+              <a:t>Get better distribution on shuffle-</a:t>
+            </a:r>
+            <a:r>
+              <a:rPr lang="en-US" dirty="0" smtClean="0"/>
+              <a:t>sort, write your own Partitioner</a:t>
+            </a:r>
+            <a:endParaRPr lang="en-US" dirty="0" smtClean="0"/>
           </a:p>
           <a:p>
             <a:r>
@@ -3778,7 +3788,15 @@
             <a:pPr lvl="1"/>
             <a:r>
               <a:rPr lang="en-US" dirty="0" smtClean="0"/>
-              <a:t>Partition job in to separate jobs, pipeline</a:t>
+              <a:t>Partition job </a:t>
+            </a:r>
+            <a:r>
+              <a:rPr lang="en-US" dirty="0" smtClean="0"/>
+              <a:t>into </a:t>
+            </a:r>
+            <a:r>
+              <a:rPr lang="en-US" dirty="0" smtClean="0"/>
+              <a:t>separate jobs, pipeline</a:t>
             </a:r>
           </a:p>
           <a:p>
@@ -4110,13 +4128,8 @@
           <a:p>
             <a:r>
               <a:rPr lang="en-US" dirty="0" smtClean="0"/>
-              <a:t>Monitor/tune for optimal spill </a:t>
-            </a:r>
-            <a:r>
-              <a:rPr lang="en-US" dirty="0" smtClean="0"/>
-              <a:t>ratio</a:t>
-            </a:r>
-            <a:endParaRPr lang="en-US" dirty="0" smtClean="0"/>
+              <a:t>Monitor/tune for optimal spill ratio</a:t>
+            </a:r>
           </a:p>
           <a:p>
             <a:r>
@@ -4210,15 +4223,7 @@
           <a:p>
             <a:r>
               <a:rPr lang="en-US" dirty="0" smtClean="0"/>
-              <a:t>Vendor </a:t>
-            </a:r>
-            <a:r>
-              <a:rPr lang="en-US" dirty="0" smtClean="0"/>
-              <a:t>implementations </a:t>
-            </a:r>
-            <a:r>
-              <a:rPr lang="en-US" dirty="0" smtClean="0"/>
-              <a:t>differ</a:t>
+              <a:t>Vendor implementations differ</a:t>
             </a:r>
           </a:p>
           <a:p>
@@ -4238,7 +4243,7 @@
             </a:r>
             <a:r>
               <a:rPr lang="en-US" dirty="0" err="1" smtClean="0"/>
-              <a:t>splittable</a:t>
+              <a:t>splitable</a:t>
             </a:r>
             <a:r>
               <a:rPr lang="en-US" dirty="0" smtClean="0"/>
